--- a/engine/ParticleSystem/Particle.pptx
+++ b/engine/ParticleSystem/Particle.pptx
@@ -17,6 +17,7 @@
     <p:sldId id="258" r:id="rId11"/>
     <p:sldId id="259" r:id="rId12"/>
     <p:sldId id="260" r:id="rId13"/>
+    <p:sldId id="268" r:id="rId14"/>
   </p:sldIdLst>
   <p:sldSz cx="12192000" cy="6858000"/>
   <p:notesSz cx="6858000" cy="9144000"/>
@@ -294,7 +295,7 @@
           <a:p>
             <a:fld id="{48A87A34-81AB-432B-8DAE-1953F412C126}" type="datetimeFigureOut">
               <a:rPr lang="en-US" dirty="0"/>
-              <a:t>7/20/2020</a:t>
+              <a:t>7/27/2020</a:t>
             </a:fld>
             <a:endParaRPr lang="en-US" dirty="0"/>
           </a:p>
@@ -604,7 +605,7 @@
           <a:p>
             <a:fld id="{48A87A34-81AB-432B-8DAE-1953F412C126}" type="datetimeFigureOut">
               <a:rPr lang="en-US" dirty="0"/>
-              <a:t>7/20/2020</a:t>
+              <a:t>7/27/2020</a:t>
             </a:fld>
             <a:endParaRPr lang="en-US" dirty="0"/>
           </a:p>
@@ -821,7 +822,7 @@
           <a:p>
             <a:fld id="{48A87A34-81AB-432B-8DAE-1953F412C126}" type="datetimeFigureOut">
               <a:rPr lang="en-US" dirty="0"/>
-              <a:t>7/20/2020</a:t>
+              <a:t>7/27/2020</a:t>
             </a:fld>
             <a:endParaRPr lang="en-US" dirty="0"/>
           </a:p>
@@ -1107,7 +1108,7 @@
           <a:p>
             <a:fld id="{48A87A34-81AB-432B-8DAE-1953F412C126}" type="datetimeFigureOut">
               <a:rPr lang="en-US" dirty="0"/>
-              <a:t>7/20/2020</a:t>
+              <a:t>7/27/2020</a:t>
             </a:fld>
             <a:endParaRPr lang="en-US" dirty="0"/>
           </a:p>
@@ -1556,7 +1557,7 @@
           <a:p>
             <a:fld id="{48A87A34-81AB-432B-8DAE-1953F412C126}" type="datetimeFigureOut">
               <a:rPr lang="en-US" dirty="0"/>
-              <a:t>7/20/2020</a:t>
+              <a:t>7/27/2020</a:t>
             </a:fld>
             <a:endParaRPr lang="en-US" dirty="0"/>
           </a:p>
@@ -2127,7 +2128,7 @@
           <a:p>
             <a:fld id="{48A87A34-81AB-432B-8DAE-1953F412C126}" type="datetimeFigureOut">
               <a:rPr lang="en-US" dirty="0"/>
-              <a:t>7/20/2020</a:t>
+              <a:t>7/27/2020</a:t>
             </a:fld>
             <a:endParaRPr lang="en-US" dirty="0"/>
           </a:p>
@@ -2983,7 +2984,7 @@
           <a:p>
             <a:fld id="{48A87A34-81AB-432B-8DAE-1953F412C126}" type="datetimeFigureOut">
               <a:rPr lang="en-US" dirty="0"/>
-              <a:t>7/20/2020</a:t>
+              <a:t>7/27/2020</a:t>
             </a:fld>
             <a:endParaRPr lang="en-US" dirty="0"/>
           </a:p>
@@ -3183,7 +3184,7 @@
           <a:p>
             <a:fld id="{48A87A34-81AB-432B-8DAE-1953F412C126}" type="datetimeFigureOut">
               <a:rPr lang="en-US" dirty="0"/>
-              <a:t>7/20/2020</a:t>
+              <a:t>7/27/2020</a:t>
             </a:fld>
             <a:endParaRPr lang="en-US" dirty="0"/>
           </a:p>
@@ -3392,7 +3393,7 @@
           <a:p>
             <a:fld id="{48A87A34-81AB-432B-8DAE-1953F412C126}" type="datetimeFigureOut">
               <a:rPr lang="en-US" dirty="0"/>
-              <a:t>7/20/2020</a:t>
+              <a:t>7/27/2020</a:t>
             </a:fld>
             <a:endParaRPr lang="en-US" dirty="0"/>
           </a:p>
@@ -3592,7 +3593,7 @@
           <a:p>
             <a:fld id="{48A87A34-81AB-432B-8DAE-1953F412C126}" type="datetimeFigureOut">
               <a:rPr lang="en-US" dirty="0"/>
-              <a:t>7/20/2020</a:t>
+              <a:t>7/27/2020</a:t>
             </a:fld>
             <a:endParaRPr lang="en-US" dirty="0"/>
           </a:p>
@@ -3867,7 +3868,7 @@
           <a:p>
             <a:fld id="{48A87A34-81AB-432B-8DAE-1953F412C126}" type="datetimeFigureOut">
               <a:rPr lang="en-US" dirty="0"/>
-              <a:t>7/20/2020</a:t>
+              <a:t>7/27/2020</a:t>
             </a:fld>
             <a:endParaRPr lang="en-US" dirty="0"/>
           </a:p>
@@ -4129,7 +4130,7 @@
           <a:p>
             <a:fld id="{48A87A34-81AB-432B-8DAE-1953F412C126}" type="datetimeFigureOut">
               <a:rPr lang="en-US" dirty="0"/>
-              <a:t>7/20/2020</a:t>
+              <a:t>7/27/2020</a:t>
             </a:fld>
             <a:endParaRPr lang="en-US" dirty="0"/>
           </a:p>
@@ -4539,7 +4540,7 @@
           <a:p>
             <a:fld id="{48A87A34-81AB-432B-8DAE-1953F412C126}" type="datetimeFigureOut">
               <a:rPr lang="en-US" dirty="0"/>
-              <a:t>7/20/2020</a:t>
+              <a:t>7/27/2020</a:t>
             </a:fld>
             <a:endParaRPr lang="en-US" dirty="0"/>
           </a:p>
@@ -4682,7 +4683,7 @@
           <a:p>
             <a:fld id="{48A87A34-81AB-432B-8DAE-1953F412C126}" type="datetimeFigureOut">
               <a:rPr lang="en-US" dirty="0"/>
-              <a:t>7/20/2020</a:t>
+              <a:t>7/27/2020</a:t>
             </a:fld>
             <a:endParaRPr lang="en-US" dirty="0"/>
           </a:p>
@@ -4802,7 +4803,7 @@
           <a:p>
             <a:fld id="{48A87A34-81AB-432B-8DAE-1953F412C126}" type="datetimeFigureOut">
               <a:rPr lang="en-US" dirty="0"/>
-              <a:t>7/20/2020</a:t>
+              <a:t>7/27/2020</a:t>
             </a:fld>
             <a:endParaRPr lang="en-US" dirty="0"/>
           </a:p>
@@ -5076,7 +5077,7 @@
           <a:p>
             <a:fld id="{48A87A34-81AB-432B-8DAE-1953F412C126}" type="datetimeFigureOut">
               <a:rPr lang="en-US" dirty="0"/>
-              <a:t>7/20/2020</a:t>
+              <a:t>7/27/2020</a:t>
             </a:fld>
             <a:endParaRPr lang="en-US" dirty="0"/>
           </a:p>
@@ -5386,7 +5387,7 @@
           <a:p>
             <a:fld id="{48A87A34-81AB-432B-8DAE-1953F412C126}" type="datetimeFigureOut">
               <a:rPr lang="en-US" dirty="0"/>
-              <a:t>7/20/2020</a:t>
+              <a:t>7/27/2020</a:t>
             </a:fld>
             <a:endParaRPr lang="en-US" dirty="0"/>
           </a:p>
@@ -5635,7 +5636,7 @@
             <a:fld id="{48A87A34-81AB-432B-8DAE-1953F412C126}" type="datetimeFigureOut">
               <a:rPr lang="en-US" dirty="0"/>
               <a:pPr/>
-              <a:t>7/20/2020</a:t>
+              <a:t>7/27/2020</a:t>
             </a:fld>
             <a:endParaRPr lang="en-US" dirty="0"/>
           </a:p>
@@ -8606,6 +8607,265 @@
 </p:sld>
 </file>
 
+<file path=ppt/slides/slide13.xml><?xml version="1.0" encoding="utf-8"?>
+<p:sld xmlns:a="http://schemas.openxmlformats.org/drawingml/2006/main" xmlns:r="http://schemas.openxmlformats.org/officeDocument/2006/relationships" xmlns:p="http://schemas.openxmlformats.org/presentationml/2006/main">
+  <p:cSld>
+    <p:spTree>
+      <p:nvGrpSpPr>
+        <p:cNvPr id="1" name=""/>
+        <p:cNvGrpSpPr/>
+        <p:nvPr/>
+      </p:nvGrpSpPr>
+      <p:grpSpPr>
+        <a:xfrm>
+          <a:off x="0" y="0"/>
+          <a:ext cx="0" cy="0"/>
+          <a:chOff x="0" y="0"/>
+          <a:chExt cx="0" cy="0"/>
+        </a:xfrm>
+      </p:grpSpPr>
+      <p:sp>
+        <p:nvSpPr>
+          <p:cNvPr id="5" name="文本框 4"/>
+          <p:cNvSpPr txBox="1"/>
+          <p:nvPr/>
+        </p:nvSpPr>
+        <p:spPr>
+          <a:xfrm>
+            <a:off x="941466" y="949391"/>
+            <a:ext cx="3996294" cy="3000821"/>
+          </a:xfrm>
+          <a:prstGeom prst="rect">
+            <a:avLst/>
+          </a:prstGeom>
+          <a:noFill/>
+        </p:spPr>
+        <p:txBody>
+          <a:bodyPr wrap="square" rtlCol="0">
+            <a:spAutoFit/>
+          </a:bodyPr>
+          <a:lstStyle/>
+          <a:p>
+            <a:pPr marL="285750" indent="-285750">
+              <a:lnSpc>
+                <a:spcPct val="150000"/>
+              </a:lnSpc>
+              <a:buFont typeface="Arial" panose="020B0604020202020204" pitchFamily="34" charset="0"/>
+              <a:buChar char="•"/>
+            </a:pPr>
+            <a:r>
+              <a:rPr lang="en-US" altLang="zh-CN" dirty="0" err="1" smtClean="0"/>
+              <a:t>CreateParticleTemplate</a:t>
+            </a:r>
+            <a:endParaRPr lang="en-US" altLang="zh-CN" dirty="0" smtClean="0"/>
+          </a:p>
+          <a:p>
+            <a:pPr marL="742950" lvl="1" indent="-285750">
+              <a:lnSpc>
+                <a:spcPct val="150000"/>
+              </a:lnSpc>
+              <a:buFont typeface="Arial" panose="020B0604020202020204" pitchFamily="34" charset="0"/>
+              <a:buChar char="•"/>
+            </a:pPr>
+            <a:r>
+              <a:rPr lang="en-US" altLang="zh-CN" dirty="0" err="1" smtClean="0"/>
+              <a:t>CreateEmitter</a:t>
+            </a:r>
+            <a:endParaRPr lang="en-US" altLang="zh-CN" dirty="0"/>
+          </a:p>
+          <a:p>
+            <a:pPr marL="742950" lvl="1" indent="-285750">
+              <a:lnSpc>
+                <a:spcPct val="150000"/>
+              </a:lnSpc>
+              <a:buFont typeface="Arial" panose="020B0604020202020204" pitchFamily="34" charset="0"/>
+              <a:buChar char="•"/>
+            </a:pPr>
+            <a:r>
+              <a:rPr lang="en-US" altLang="zh-CN" dirty="0" smtClean="0"/>
+              <a:t>Emitter::Load</a:t>
+            </a:r>
+          </a:p>
+          <a:p>
+            <a:pPr marL="1200150" lvl="2" indent="-285750">
+              <a:lnSpc>
+                <a:spcPct val="150000"/>
+              </a:lnSpc>
+              <a:buFont typeface="Arial" panose="020B0604020202020204" pitchFamily="34" charset="0"/>
+              <a:buChar char="•"/>
+            </a:pPr>
+            <a:r>
+              <a:rPr lang="en-US" altLang="zh-CN" dirty="0" err="1" smtClean="0"/>
+              <a:t>CreateModule</a:t>
+            </a:r>
+            <a:endParaRPr lang="en-US" altLang="zh-CN" dirty="0" smtClean="0"/>
+          </a:p>
+          <a:p>
+            <a:pPr marL="1200150" lvl="2" indent="-285750">
+              <a:lnSpc>
+                <a:spcPct val="150000"/>
+              </a:lnSpc>
+              <a:buFont typeface="Arial" panose="020B0604020202020204" pitchFamily="34" charset="0"/>
+              <a:buChar char="•"/>
+            </a:pPr>
+            <a:r>
+              <a:rPr lang="en-US" altLang="zh-CN" dirty="0" smtClean="0"/>
+              <a:t>Module::Load</a:t>
+            </a:r>
+          </a:p>
+          <a:p>
+            <a:pPr marL="1657350" lvl="3" indent="-285750">
+              <a:lnSpc>
+                <a:spcPct val="150000"/>
+              </a:lnSpc>
+              <a:buFont typeface="Arial" panose="020B0604020202020204" pitchFamily="34" charset="0"/>
+              <a:buChar char="•"/>
+            </a:pPr>
+            <a:r>
+              <a:rPr lang="en-US" altLang="zh-CN" dirty="0" err="1" smtClean="0"/>
+              <a:t>GetProperty</a:t>
+            </a:r>
+            <a:endParaRPr lang="en-US" altLang="zh-CN" dirty="0" smtClean="0"/>
+          </a:p>
+          <a:p>
+            <a:pPr marL="1657350" lvl="3" indent="-285750">
+              <a:lnSpc>
+                <a:spcPct val="150000"/>
+              </a:lnSpc>
+              <a:buFont typeface="Arial" panose="020B0604020202020204" pitchFamily="34" charset="0"/>
+              <a:buChar char="•"/>
+            </a:pPr>
+            <a:r>
+              <a:rPr lang="en-US" altLang="zh-CN" dirty="0" smtClean="0"/>
+              <a:t>Property::Load</a:t>
+            </a:r>
+          </a:p>
+        </p:txBody>
+      </p:sp>
+      <p:sp>
+        <p:nvSpPr>
+          <p:cNvPr id="6" name="文本框 5"/>
+          <p:cNvSpPr txBox="1"/>
+          <p:nvPr/>
+        </p:nvSpPr>
+        <p:spPr>
+          <a:xfrm>
+            <a:off x="6172943" y="949390"/>
+            <a:ext cx="3996294" cy="2585323"/>
+          </a:xfrm>
+          <a:prstGeom prst="rect">
+            <a:avLst/>
+          </a:prstGeom>
+          <a:noFill/>
+        </p:spPr>
+        <p:txBody>
+          <a:bodyPr wrap="square" rtlCol="0">
+            <a:spAutoFit/>
+          </a:bodyPr>
+          <a:lstStyle/>
+          <a:p>
+            <a:pPr marL="285750" indent="-285750">
+              <a:lnSpc>
+                <a:spcPct val="150000"/>
+              </a:lnSpc>
+              <a:buFont typeface="Arial" panose="020B0604020202020204" pitchFamily="34" charset="0"/>
+              <a:buChar char="•"/>
+            </a:pPr>
+            <a:r>
+              <a:rPr lang="en-US" altLang="zh-CN" dirty="0" err="1" smtClean="0"/>
+              <a:t>GetParticleInstance</a:t>
+            </a:r>
+            <a:endParaRPr lang="en-US" altLang="zh-CN" dirty="0" smtClean="0"/>
+          </a:p>
+          <a:p>
+            <a:pPr marL="742950" lvl="1" indent="-285750">
+              <a:lnSpc>
+                <a:spcPct val="150000"/>
+              </a:lnSpc>
+              <a:buFont typeface="Arial" panose="020B0604020202020204" pitchFamily="34" charset="0"/>
+              <a:buChar char="•"/>
+            </a:pPr>
+            <a:r>
+              <a:rPr lang="en-US" altLang="zh-CN" dirty="0" err="1"/>
+              <a:t>GetFxTemplate</a:t>
+            </a:r>
+            <a:endParaRPr lang="en-US" altLang="zh-CN" dirty="0"/>
+          </a:p>
+          <a:p>
+            <a:pPr marL="742950" lvl="1" indent="-285750">
+              <a:lnSpc>
+                <a:spcPct val="150000"/>
+              </a:lnSpc>
+              <a:buFont typeface="Arial" panose="020B0604020202020204" pitchFamily="34" charset="0"/>
+              <a:buChar char="•"/>
+            </a:pPr>
+            <a:r>
+              <a:rPr lang="en-US" altLang="zh-CN" dirty="0" smtClean="0"/>
+              <a:t>New </a:t>
+            </a:r>
+            <a:r>
+              <a:rPr lang="en-US" altLang="zh-CN" dirty="0" err="1" smtClean="0"/>
+              <a:t>FxInstance</a:t>
+            </a:r>
+            <a:endParaRPr lang="en-US" altLang="zh-CN" dirty="0" smtClean="0"/>
+          </a:p>
+          <a:p>
+            <a:pPr marL="742950" lvl="1" indent="-285750">
+              <a:lnSpc>
+                <a:spcPct val="150000"/>
+              </a:lnSpc>
+              <a:buFont typeface="Arial" panose="020B0604020202020204" pitchFamily="34" charset="0"/>
+              <a:buChar char="•"/>
+            </a:pPr>
+            <a:r>
+              <a:rPr lang="en-US" altLang="zh-CN" dirty="0" err="1" smtClean="0"/>
+              <a:t>CreateEmitterData</a:t>
+            </a:r>
+            <a:endParaRPr lang="en-US" altLang="zh-CN" dirty="0" smtClean="0"/>
+          </a:p>
+          <a:p>
+            <a:pPr marL="742950" lvl="1" indent="-285750">
+              <a:lnSpc>
+                <a:spcPct val="150000"/>
+              </a:lnSpc>
+              <a:buFont typeface="Arial" panose="020B0604020202020204" pitchFamily="34" charset="0"/>
+              <a:buChar char="•"/>
+            </a:pPr>
+            <a:r>
+              <a:rPr lang="en-US" altLang="zh-CN" dirty="0" err="1" smtClean="0"/>
+              <a:t>InitParameters</a:t>
+            </a:r>
+            <a:endParaRPr lang="en-US" altLang="zh-CN" dirty="0" smtClean="0"/>
+          </a:p>
+          <a:p>
+            <a:pPr marL="742950" lvl="1" indent="-285750">
+              <a:lnSpc>
+                <a:spcPct val="150000"/>
+              </a:lnSpc>
+              <a:buFont typeface="Arial" panose="020B0604020202020204" pitchFamily="34" charset="0"/>
+              <a:buChar char="•"/>
+            </a:pPr>
+            <a:r>
+              <a:rPr lang="en-US" altLang="zh-CN" dirty="0" err="1" smtClean="0"/>
+              <a:t>UpdateTemplateInsMap</a:t>
+            </a:r>
+            <a:endParaRPr lang="en-US" altLang="zh-CN" dirty="0" smtClean="0"/>
+          </a:p>
+        </p:txBody>
+      </p:sp>
+    </p:spTree>
+    <p:extLst>
+      <p:ext uri="{BB962C8B-B14F-4D97-AF65-F5344CB8AC3E}">
+        <p14:creationId xmlns:p14="http://schemas.microsoft.com/office/powerpoint/2010/main" val="762932705"/>
+      </p:ext>
+    </p:extLst>
+  </p:cSld>
+  <p:clrMapOvr>
+    <a:masterClrMapping/>
+  </p:clrMapOvr>
+</p:sld>
+</file>
+
 <file path=ppt/slides/slide2.xml><?xml version="1.0" encoding="utf-8"?>
 <p:sld xmlns:a="http://schemas.openxmlformats.org/drawingml/2006/main" xmlns:r="http://schemas.openxmlformats.org/officeDocument/2006/relationships" xmlns:p="http://schemas.openxmlformats.org/presentationml/2006/main">
   <p:cSld>

--- a/engine/ParticleSystem/Particle.pptx
+++ b/engine/ParticleSystem/Particle.pptx
@@ -18,6 +18,8 @@
     <p:sldId id="259" r:id="rId12"/>
     <p:sldId id="260" r:id="rId13"/>
     <p:sldId id="268" r:id="rId14"/>
+    <p:sldId id="269" r:id="rId15"/>
+    <p:sldId id="270" r:id="rId16"/>
   </p:sldIdLst>
   <p:sldSz cx="12192000" cy="6858000"/>
   <p:notesSz cx="6858000" cy="9144000"/>
@@ -295,7 +297,7 @@
           <a:p>
             <a:fld id="{48A87A34-81AB-432B-8DAE-1953F412C126}" type="datetimeFigureOut">
               <a:rPr lang="en-US" dirty="0"/>
-              <a:t>7/27/2020</a:t>
+              <a:t>7/30/2020</a:t>
             </a:fld>
             <a:endParaRPr lang="en-US" dirty="0"/>
           </a:p>
@@ -605,7 +607,7 @@
           <a:p>
             <a:fld id="{48A87A34-81AB-432B-8DAE-1953F412C126}" type="datetimeFigureOut">
               <a:rPr lang="en-US" dirty="0"/>
-              <a:t>7/27/2020</a:t>
+              <a:t>7/30/2020</a:t>
             </a:fld>
             <a:endParaRPr lang="en-US" dirty="0"/>
           </a:p>
@@ -822,7 +824,7 @@
           <a:p>
             <a:fld id="{48A87A34-81AB-432B-8DAE-1953F412C126}" type="datetimeFigureOut">
               <a:rPr lang="en-US" dirty="0"/>
-              <a:t>7/27/2020</a:t>
+              <a:t>7/30/2020</a:t>
             </a:fld>
             <a:endParaRPr lang="en-US" dirty="0"/>
           </a:p>
@@ -1108,7 +1110,7 @@
           <a:p>
             <a:fld id="{48A87A34-81AB-432B-8DAE-1953F412C126}" type="datetimeFigureOut">
               <a:rPr lang="en-US" dirty="0"/>
-              <a:t>7/27/2020</a:t>
+              <a:t>7/30/2020</a:t>
             </a:fld>
             <a:endParaRPr lang="en-US" dirty="0"/>
           </a:p>
@@ -1557,7 +1559,7 @@
           <a:p>
             <a:fld id="{48A87A34-81AB-432B-8DAE-1953F412C126}" type="datetimeFigureOut">
               <a:rPr lang="en-US" dirty="0"/>
-              <a:t>7/27/2020</a:t>
+              <a:t>7/30/2020</a:t>
             </a:fld>
             <a:endParaRPr lang="en-US" dirty="0"/>
           </a:p>
@@ -2128,7 +2130,7 @@
           <a:p>
             <a:fld id="{48A87A34-81AB-432B-8DAE-1953F412C126}" type="datetimeFigureOut">
               <a:rPr lang="en-US" dirty="0"/>
-              <a:t>7/27/2020</a:t>
+              <a:t>7/30/2020</a:t>
             </a:fld>
             <a:endParaRPr lang="en-US" dirty="0"/>
           </a:p>
@@ -2984,7 +2986,7 @@
           <a:p>
             <a:fld id="{48A87A34-81AB-432B-8DAE-1953F412C126}" type="datetimeFigureOut">
               <a:rPr lang="en-US" dirty="0"/>
-              <a:t>7/27/2020</a:t>
+              <a:t>7/30/2020</a:t>
             </a:fld>
             <a:endParaRPr lang="en-US" dirty="0"/>
           </a:p>
@@ -3184,7 +3186,7 @@
           <a:p>
             <a:fld id="{48A87A34-81AB-432B-8DAE-1953F412C126}" type="datetimeFigureOut">
               <a:rPr lang="en-US" dirty="0"/>
-              <a:t>7/27/2020</a:t>
+              <a:t>7/30/2020</a:t>
             </a:fld>
             <a:endParaRPr lang="en-US" dirty="0"/>
           </a:p>
@@ -3393,7 +3395,7 @@
           <a:p>
             <a:fld id="{48A87A34-81AB-432B-8DAE-1953F412C126}" type="datetimeFigureOut">
               <a:rPr lang="en-US" dirty="0"/>
-              <a:t>7/27/2020</a:t>
+              <a:t>7/30/2020</a:t>
             </a:fld>
             <a:endParaRPr lang="en-US" dirty="0"/>
           </a:p>
@@ -3593,7 +3595,7 @@
           <a:p>
             <a:fld id="{48A87A34-81AB-432B-8DAE-1953F412C126}" type="datetimeFigureOut">
               <a:rPr lang="en-US" dirty="0"/>
-              <a:t>7/27/2020</a:t>
+              <a:t>7/30/2020</a:t>
             </a:fld>
             <a:endParaRPr lang="en-US" dirty="0"/>
           </a:p>
@@ -3868,7 +3870,7 @@
           <a:p>
             <a:fld id="{48A87A34-81AB-432B-8DAE-1953F412C126}" type="datetimeFigureOut">
               <a:rPr lang="en-US" dirty="0"/>
-              <a:t>7/27/2020</a:t>
+              <a:t>7/30/2020</a:t>
             </a:fld>
             <a:endParaRPr lang="en-US" dirty="0"/>
           </a:p>
@@ -4130,7 +4132,7 @@
           <a:p>
             <a:fld id="{48A87A34-81AB-432B-8DAE-1953F412C126}" type="datetimeFigureOut">
               <a:rPr lang="en-US" dirty="0"/>
-              <a:t>7/27/2020</a:t>
+              <a:t>7/30/2020</a:t>
             </a:fld>
             <a:endParaRPr lang="en-US" dirty="0"/>
           </a:p>
@@ -4540,7 +4542,7 @@
           <a:p>
             <a:fld id="{48A87A34-81AB-432B-8DAE-1953F412C126}" type="datetimeFigureOut">
               <a:rPr lang="en-US" dirty="0"/>
-              <a:t>7/27/2020</a:t>
+              <a:t>7/30/2020</a:t>
             </a:fld>
             <a:endParaRPr lang="en-US" dirty="0"/>
           </a:p>
@@ -4683,7 +4685,7 @@
           <a:p>
             <a:fld id="{48A87A34-81AB-432B-8DAE-1953F412C126}" type="datetimeFigureOut">
               <a:rPr lang="en-US" dirty="0"/>
-              <a:t>7/27/2020</a:t>
+              <a:t>7/30/2020</a:t>
             </a:fld>
             <a:endParaRPr lang="en-US" dirty="0"/>
           </a:p>
@@ -4803,7 +4805,7 @@
           <a:p>
             <a:fld id="{48A87A34-81AB-432B-8DAE-1953F412C126}" type="datetimeFigureOut">
               <a:rPr lang="en-US" dirty="0"/>
-              <a:t>7/27/2020</a:t>
+              <a:t>7/30/2020</a:t>
             </a:fld>
             <a:endParaRPr lang="en-US" dirty="0"/>
           </a:p>
@@ -5077,7 +5079,7 @@
           <a:p>
             <a:fld id="{48A87A34-81AB-432B-8DAE-1953F412C126}" type="datetimeFigureOut">
               <a:rPr lang="en-US" dirty="0"/>
-              <a:t>7/27/2020</a:t>
+              <a:t>7/30/2020</a:t>
             </a:fld>
             <a:endParaRPr lang="en-US" dirty="0"/>
           </a:p>
@@ -5387,7 +5389,7 @@
           <a:p>
             <a:fld id="{48A87A34-81AB-432B-8DAE-1953F412C126}" type="datetimeFigureOut">
               <a:rPr lang="en-US" dirty="0"/>
-              <a:t>7/27/2020</a:t>
+              <a:t>7/30/2020</a:t>
             </a:fld>
             <a:endParaRPr lang="en-US" dirty="0"/>
           </a:p>
@@ -5636,7 +5638,7 @@
             <a:fld id="{48A87A34-81AB-432B-8DAE-1953F412C126}" type="datetimeFigureOut">
               <a:rPr lang="en-US" dirty="0"/>
               <a:pPr/>
-              <a:t>7/27/2020</a:t>
+              <a:t>7/30/2020</a:t>
             </a:fld>
             <a:endParaRPr lang="en-US" dirty="0"/>
           </a:p>
@@ -8866,6 +8868,393 @@
 </p:sld>
 </file>
 
+<file path=ppt/slides/slide14.xml><?xml version="1.0" encoding="utf-8"?>
+<p:sld xmlns:a="http://schemas.openxmlformats.org/drawingml/2006/main" xmlns:r="http://schemas.openxmlformats.org/officeDocument/2006/relationships" xmlns:p="http://schemas.openxmlformats.org/presentationml/2006/main">
+  <p:cSld>
+    <p:spTree>
+      <p:nvGrpSpPr>
+        <p:cNvPr id="1" name=""/>
+        <p:cNvGrpSpPr/>
+        <p:nvPr/>
+      </p:nvGrpSpPr>
+      <p:grpSpPr>
+        <a:xfrm>
+          <a:off x="0" y="0"/>
+          <a:ext cx="0" cy="0"/>
+          <a:chOff x="0" y="0"/>
+          <a:chExt cx="0" cy="0"/>
+        </a:xfrm>
+      </p:grpSpPr>
+      <p:sp>
+        <p:nvSpPr>
+          <p:cNvPr id="5" name="文本框 4"/>
+          <p:cNvSpPr txBox="1"/>
+          <p:nvPr/>
+        </p:nvSpPr>
+        <p:spPr>
+          <a:xfrm>
+            <a:off x="941466" y="949391"/>
+            <a:ext cx="6897436" cy="3416320"/>
+          </a:xfrm>
+          <a:prstGeom prst="rect">
+            <a:avLst/>
+          </a:prstGeom>
+          <a:noFill/>
+        </p:spPr>
+        <p:txBody>
+          <a:bodyPr wrap="square" rtlCol="0">
+            <a:spAutoFit/>
+          </a:bodyPr>
+          <a:lstStyle/>
+          <a:p>
+            <a:pPr marL="285750" indent="-285750">
+              <a:lnSpc>
+                <a:spcPct val="150000"/>
+              </a:lnSpc>
+              <a:buFont typeface="Arial" panose="020B0604020202020204" pitchFamily="34" charset="0"/>
+              <a:buChar char="•"/>
+            </a:pPr>
+            <a:r>
+              <a:rPr lang="zh-CN" altLang="en-US" dirty="0" smtClean="0"/>
+              <a:t>特效</a:t>
+            </a:r>
+            <a:r>
+              <a:rPr lang="en-US" altLang="zh-CN" dirty="0" smtClean="0"/>
+              <a:t>Tick </a:t>
+            </a:r>
+            <a:r>
+              <a:rPr lang="en-US" altLang="zh-CN" dirty="0" err="1" smtClean="0"/>
+              <a:t>Tick</a:t>
+            </a:r>
+            <a:endParaRPr lang="en-US" altLang="zh-CN" dirty="0" smtClean="0"/>
+          </a:p>
+          <a:p>
+            <a:pPr marL="742950" lvl="1" indent="-285750">
+              <a:lnSpc>
+                <a:spcPct val="150000"/>
+              </a:lnSpc>
+              <a:buFont typeface="Arial" panose="020B0604020202020204" pitchFamily="34" charset="0"/>
+              <a:buChar char="•"/>
+            </a:pPr>
+            <a:r>
+              <a:rPr lang="en-US" altLang="zh-CN" dirty="0" err="1" smtClean="0"/>
+              <a:t>ParticleSystemInstance</a:t>
+            </a:r>
+            <a:r>
+              <a:rPr lang="en-US" altLang="zh-CN" dirty="0" smtClean="0"/>
+              <a:t>::Tick</a:t>
+            </a:r>
+          </a:p>
+          <a:p>
+            <a:pPr marL="1200150" lvl="2" indent="-285750">
+              <a:lnSpc>
+                <a:spcPct val="150000"/>
+              </a:lnSpc>
+              <a:buFont typeface="Arial" panose="020B0604020202020204" pitchFamily="34" charset="0"/>
+              <a:buChar char="•"/>
+            </a:pPr>
+            <a:r>
+              <a:rPr lang="en-US" altLang="zh-CN" dirty="0" smtClean="0"/>
+              <a:t>[Emitter] ::Tick</a:t>
+            </a:r>
+          </a:p>
+          <a:p>
+            <a:pPr marL="1657350" lvl="3" indent="-285750">
+              <a:lnSpc>
+                <a:spcPct val="150000"/>
+              </a:lnSpc>
+              <a:buFont typeface="Arial" panose="020B0604020202020204" pitchFamily="34" charset="0"/>
+              <a:buChar char="•"/>
+            </a:pPr>
+            <a:r>
+              <a:rPr lang="zh-CN" altLang="en-US" dirty="0" smtClean="0"/>
+              <a:t>发射器内增删</a:t>
+            </a:r>
+            <a:r>
+              <a:rPr lang="en-US" altLang="zh-CN" dirty="0" smtClean="0"/>
+              <a:t>Particle</a:t>
+            </a:r>
+          </a:p>
+          <a:p>
+            <a:pPr marL="1657350" lvl="3" indent="-285750">
+              <a:lnSpc>
+                <a:spcPct val="150000"/>
+              </a:lnSpc>
+              <a:buFont typeface="Arial" panose="020B0604020202020204" pitchFamily="34" charset="0"/>
+              <a:buChar char="•"/>
+            </a:pPr>
+            <a:r>
+              <a:rPr lang="zh-CN" altLang="en-US" dirty="0" smtClean="0"/>
+              <a:t>更新时间</a:t>
+            </a:r>
+            <a:endParaRPr lang="en-US" altLang="zh-CN" dirty="0" smtClean="0"/>
+          </a:p>
+          <a:p>
+            <a:pPr marL="1657350" lvl="3" indent="-285750">
+              <a:lnSpc>
+                <a:spcPct val="150000"/>
+              </a:lnSpc>
+              <a:buFont typeface="Arial" panose="020B0604020202020204" pitchFamily="34" charset="0"/>
+              <a:buChar char="•"/>
+            </a:pPr>
+            <a:r>
+              <a:rPr lang="zh-CN" altLang="en-US" dirty="0" smtClean="0"/>
+              <a:t>动态申请内存</a:t>
+            </a:r>
+            <a:endParaRPr lang="en-US" altLang="zh-CN" dirty="0" smtClean="0"/>
+          </a:p>
+          <a:p>
+            <a:pPr marL="1657350" lvl="3" indent="-285750">
+              <a:lnSpc>
+                <a:spcPct val="150000"/>
+              </a:lnSpc>
+              <a:buFont typeface="Arial" panose="020B0604020202020204" pitchFamily="34" charset="0"/>
+              <a:buChar char="•"/>
+            </a:pPr>
+            <a:r>
+              <a:rPr lang="zh-CN" altLang="en-US" dirty="0" smtClean="0"/>
+              <a:t>喷发粒子</a:t>
+            </a:r>
+            <a:endParaRPr lang="en-US" altLang="zh-CN" dirty="0" smtClean="0"/>
+          </a:p>
+          <a:p>
+            <a:pPr marL="1657350" lvl="3" indent="-285750">
+              <a:lnSpc>
+                <a:spcPct val="150000"/>
+              </a:lnSpc>
+              <a:buFont typeface="Arial" panose="020B0604020202020204" pitchFamily="34" charset="0"/>
+              <a:buChar char="•"/>
+            </a:pPr>
+            <a:r>
+              <a:rPr lang="en-US" altLang="zh-CN" dirty="0" smtClean="0"/>
+              <a:t>…</a:t>
+            </a:r>
+          </a:p>
+        </p:txBody>
+      </p:sp>
+    </p:spTree>
+    <p:extLst>
+      <p:ext uri="{BB962C8B-B14F-4D97-AF65-F5344CB8AC3E}">
+        <p14:creationId xmlns:p14="http://schemas.microsoft.com/office/powerpoint/2010/main" val="2781168249"/>
+      </p:ext>
+    </p:extLst>
+  </p:cSld>
+  <p:clrMapOvr>
+    <a:masterClrMapping/>
+  </p:clrMapOvr>
+</p:sld>
+</file>
+
+<file path=ppt/slides/slide15.xml><?xml version="1.0" encoding="utf-8"?>
+<p:sld xmlns:a="http://schemas.openxmlformats.org/drawingml/2006/main" xmlns:r="http://schemas.openxmlformats.org/officeDocument/2006/relationships" xmlns:p="http://schemas.openxmlformats.org/presentationml/2006/main">
+  <p:cSld>
+    <p:spTree>
+      <p:nvGrpSpPr>
+        <p:cNvPr id="1" name=""/>
+        <p:cNvGrpSpPr/>
+        <p:nvPr/>
+      </p:nvGrpSpPr>
+      <p:grpSpPr>
+        <a:xfrm>
+          <a:off x="0" y="0"/>
+          <a:ext cx="0" cy="0"/>
+          <a:chOff x="0" y="0"/>
+          <a:chExt cx="0" cy="0"/>
+        </a:xfrm>
+      </p:grpSpPr>
+      <p:sp>
+        <p:nvSpPr>
+          <p:cNvPr id="5" name="文本框 4"/>
+          <p:cNvSpPr txBox="1"/>
+          <p:nvPr/>
+        </p:nvSpPr>
+        <p:spPr>
+          <a:xfrm>
+            <a:off x="941465" y="949391"/>
+            <a:ext cx="8917429" cy="3416320"/>
+          </a:xfrm>
+          <a:prstGeom prst="rect">
+            <a:avLst/>
+          </a:prstGeom>
+          <a:noFill/>
+        </p:spPr>
+        <p:txBody>
+          <a:bodyPr wrap="square" rtlCol="0">
+            <a:spAutoFit/>
+          </a:bodyPr>
+          <a:lstStyle/>
+          <a:p>
+            <a:pPr marL="285750" indent="-285750">
+              <a:lnSpc>
+                <a:spcPct val="150000"/>
+              </a:lnSpc>
+              <a:buFont typeface="Arial" panose="020B0604020202020204" pitchFamily="34" charset="0"/>
+              <a:buChar char="•"/>
+            </a:pPr>
+            <a:r>
+              <a:rPr lang="zh-CN" altLang="en-US" dirty="0" smtClean="0"/>
+              <a:t>特效</a:t>
+            </a:r>
+            <a:r>
+              <a:rPr lang="en-US" altLang="zh-CN" dirty="0" smtClean="0"/>
+              <a:t>Render</a:t>
+            </a:r>
+          </a:p>
+          <a:p>
+            <a:pPr marL="742950" lvl="1" indent="-285750">
+              <a:lnSpc>
+                <a:spcPct val="150000"/>
+              </a:lnSpc>
+              <a:buFont typeface="Arial" panose="020B0604020202020204" pitchFamily="34" charset="0"/>
+              <a:buChar char="•"/>
+            </a:pPr>
+            <a:r>
+              <a:rPr lang="en-US" altLang="zh-CN" dirty="0"/>
+              <a:t>Manager::Render</a:t>
+            </a:r>
+          </a:p>
+          <a:p>
+            <a:pPr marL="1200150" lvl="2" indent="-285750">
+              <a:lnSpc>
+                <a:spcPct val="150000"/>
+              </a:lnSpc>
+              <a:buFont typeface="Arial" panose="020B0604020202020204" pitchFamily="34" charset="0"/>
+              <a:buChar char="•"/>
+            </a:pPr>
+            <a:r>
+              <a:rPr lang="en-US" altLang="zh-CN" dirty="0"/>
+              <a:t>Renderer::Render</a:t>
+            </a:r>
+          </a:p>
+          <a:p>
+            <a:pPr marL="1657350" lvl="3" indent="-285750">
+              <a:lnSpc>
+                <a:spcPct val="150000"/>
+              </a:lnSpc>
+              <a:buFont typeface="Arial" panose="020B0604020202020204" pitchFamily="34" charset="0"/>
+              <a:buChar char="•"/>
+            </a:pPr>
+            <a:r>
+              <a:rPr lang="en-US" altLang="zh-CN" dirty="0"/>
+              <a:t>1. [</a:t>
+            </a:r>
+            <a:r>
+              <a:rPr lang="en-US" altLang="zh-CN" dirty="0" err="1"/>
+              <a:t>BatchedPrimitive</a:t>
+            </a:r>
+            <a:r>
+              <a:rPr lang="en-US" altLang="zh-CN" dirty="0"/>
+              <a:t>]::Render</a:t>
+            </a:r>
+          </a:p>
+          <a:p>
+            <a:pPr marL="2114550" lvl="4" indent="-285750">
+              <a:lnSpc>
+                <a:spcPct val="150000"/>
+              </a:lnSpc>
+              <a:buFont typeface="Arial" panose="020B0604020202020204" pitchFamily="34" charset="0"/>
+              <a:buChar char="•"/>
+            </a:pPr>
+            <a:r>
+              <a:rPr lang="en-US" altLang="zh-CN" dirty="0"/>
+              <a:t>[Emitter] :: </a:t>
+            </a:r>
+            <a:r>
+              <a:rPr lang="en-US" altLang="zh-CN" dirty="0" err="1"/>
+              <a:t>RenderBatch</a:t>
+            </a:r>
+            <a:r>
+              <a:rPr lang="en-US" altLang="zh-CN" dirty="0"/>
+              <a:t>&lt;</a:t>
+            </a:r>
+            <a:r>
+              <a:rPr lang="zh-CN" altLang="en-US" dirty="0"/>
+              <a:t>更新顶点数据</a:t>
+            </a:r>
+            <a:r>
+              <a:rPr lang="en-US" altLang="zh-CN" dirty="0"/>
+              <a:t>&gt;</a:t>
+            </a:r>
+          </a:p>
+          <a:p>
+            <a:pPr marL="1657350" lvl="3" indent="-285750">
+              <a:lnSpc>
+                <a:spcPct val="150000"/>
+              </a:lnSpc>
+              <a:buFont typeface="Arial" panose="020B0604020202020204" pitchFamily="34" charset="0"/>
+              <a:buChar char="•"/>
+            </a:pPr>
+            <a:r>
+              <a:rPr lang="en-US" altLang="zh-CN" dirty="0"/>
+              <a:t>2. [Emitter] :: Render &lt;</a:t>
+            </a:r>
+            <a:r>
+              <a:rPr lang="zh-CN" altLang="en-US" dirty="0"/>
+              <a:t>更新顶点数据</a:t>
+            </a:r>
+            <a:r>
+              <a:rPr lang="en-US" altLang="zh-CN" dirty="0" smtClean="0"/>
+              <a:t>&gt;</a:t>
+            </a:r>
+            <a:endParaRPr lang="en-US" altLang="zh-CN" dirty="0" smtClean="0"/>
+          </a:p>
+          <a:p>
+            <a:pPr marL="742950" lvl="1" indent="-285750">
+              <a:lnSpc>
+                <a:spcPct val="150000"/>
+              </a:lnSpc>
+              <a:buFont typeface="Arial" panose="020B0604020202020204" pitchFamily="34" charset="0"/>
+              <a:buChar char="•"/>
+            </a:pPr>
+            <a:r>
+              <a:rPr lang="en-US" altLang="zh-CN" dirty="0" err="1" smtClean="0"/>
+              <a:t>ParticleSystemInstance</a:t>
+            </a:r>
+            <a:r>
+              <a:rPr lang="en-US" altLang="zh-CN" dirty="0" smtClean="0"/>
+              <a:t>::Render</a:t>
+            </a:r>
+          </a:p>
+          <a:p>
+            <a:pPr marL="1200150" lvl="2" indent="-285750">
+              <a:lnSpc>
+                <a:spcPct val="150000"/>
+              </a:lnSpc>
+              <a:buFont typeface="Arial" panose="020B0604020202020204" pitchFamily="34" charset="0"/>
+              <a:buChar char="•"/>
+            </a:pPr>
+            <a:r>
+              <a:rPr lang="en-US" altLang="zh-CN" dirty="0" smtClean="0"/>
+              <a:t>[Emitter] :: Render</a:t>
+            </a:r>
+            <a:r>
+              <a:rPr lang="en-US" altLang="zh-CN" dirty="0"/>
+              <a:t> &lt;</a:t>
+            </a:r>
+            <a:r>
+              <a:rPr lang="zh-CN" altLang="en-US" dirty="0"/>
+              <a:t>更新顶点数据</a:t>
+            </a:r>
+            <a:r>
+              <a:rPr lang="en-US" altLang="zh-CN" dirty="0" smtClean="0"/>
+              <a:t>&gt;</a:t>
+            </a:r>
+          </a:p>
+        </p:txBody>
+      </p:sp>
+    </p:spTree>
+    <p:extLst>
+      <p:ext uri="{BB962C8B-B14F-4D97-AF65-F5344CB8AC3E}">
+        <p14:creationId xmlns:p14="http://schemas.microsoft.com/office/powerpoint/2010/main" val="585619830"/>
+      </p:ext>
+    </p:extLst>
+  </p:cSld>
+  <p:clrMapOvr>
+    <a:masterClrMapping/>
+  </p:clrMapOvr>
+</p:sld>
+</file>
+
 <file path=ppt/slides/slide2.xml><?xml version="1.0" encoding="utf-8"?>
 <p:sld xmlns:a="http://schemas.openxmlformats.org/drawingml/2006/main" xmlns:r="http://schemas.openxmlformats.org/officeDocument/2006/relationships" xmlns:p="http://schemas.openxmlformats.org/presentationml/2006/main">
   <p:cSld>
